--- a/EF Extra Mile.pptx
+++ b/EF Extra Mile.pptx
@@ -274,7 +274,7 @@
           <a:p>
             <a:fld id="{856365B8-A905-4126-A305-28D558C34FD5}" type="datetimeFigureOut">
               <a:rPr lang="en-US" smtClean="0"/>
-              <a:t>6/2/2014</a:t>
+              <a:t>6/3/2014</a:t>
             </a:fld>
             <a:endParaRPr lang="en-US"/>
           </a:p>
@@ -444,7 +444,7 @@
           <a:p>
             <a:fld id="{856365B8-A905-4126-A305-28D558C34FD5}" type="datetimeFigureOut">
               <a:rPr lang="en-US" smtClean="0"/>
-              <a:t>6/2/2014</a:t>
+              <a:t>6/3/2014</a:t>
             </a:fld>
             <a:endParaRPr lang="en-US"/>
           </a:p>
@@ -624,7 +624,7 @@
           <a:p>
             <a:fld id="{856365B8-A905-4126-A305-28D558C34FD5}" type="datetimeFigureOut">
               <a:rPr lang="en-US" smtClean="0"/>
-              <a:t>6/2/2014</a:t>
+              <a:t>6/3/2014</a:t>
             </a:fld>
             <a:endParaRPr lang="en-US"/>
           </a:p>
@@ -794,7 +794,7 @@
           <a:p>
             <a:fld id="{856365B8-A905-4126-A305-28D558C34FD5}" type="datetimeFigureOut">
               <a:rPr lang="en-US" smtClean="0"/>
-              <a:t>6/2/2014</a:t>
+              <a:t>6/3/2014</a:t>
             </a:fld>
             <a:endParaRPr lang="en-US"/>
           </a:p>
@@ -1040,7 +1040,7 @@
           <a:p>
             <a:fld id="{856365B8-A905-4126-A305-28D558C34FD5}" type="datetimeFigureOut">
               <a:rPr lang="en-US" smtClean="0"/>
-              <a:t>6/2/2014</a:t>
+              <a:t>6/3/2014</a:t>
             </a:fld>
             <a:endParaRPr lang="en-US"/>
           </a:p>
@@ -1272,7 +1272,7 @@
           <a:p>
             <a:fld id="{856365B8-A905-4126-A305-28D558C34FD5}" type="datetimeFigureOut">
               <a:rPr lang="en-US" smtClean="0"/>
-              <a:t>6/2/2014</a:t>
+              <a:t>6/3/2014</a:t>
             </a:fld>
             <a:endParaRPr lang="en-US"/>
           </a:p>
@@ -1639,7 +1639,7 @@
           <a:p>
             <a:fld id="{856365B8-A905-4126-A305-28D558C34FD5}" type="datetimeFigureOut">
               <a:rPr lang="en-US" smtClean="0"/>
-              <a:t>6/2/2014</a:t>
+              <a:t>6/3/2014</a:t>
             </a:fld>
             <a:endParaRPr lang="en-US"/>
           </a:p>
@@ -1757,7 +1757,7 @@
           <a:p>
             <a:fld id="{856365B8-A905-4126-A305-28D558C34FD5}" type="datetimeFigureOut">
               <a:rPr lang="en-US" smtClean="0"/>
-              <a:t>6/2/2014</a:t>
+              <a:t>6/3/2014</a:t>
             </a:fld>
             <a:endParaRPr lang="en-US"/>
           </a:p>
@@ -1852,7 +1852,7 @@
           <a:p>
             <a:fld id="{856365B8-A905-4126-A305-28D558C34FD5}" type="datetimeFigureOut">
               <a:rPr lang="en-US" smtClean="0"/>
-              <a:t>6/2/2014</a:t>
+              <a:t>6/3/2014</a:t>
             </a:fld>
             <a:endParaRPr lang="en-US"/>
           </a:p>
@@ -2129,7 +2129,7 @@
           <a:p>
             <a:fld id="{856365B8-A905-4126-A305-28D558C34FD5}" type="datetimeFigureOut">
               <a:rPr lang="en-US" smtClean="0"/>
-              <a:t>6/2/2014</a:t>
+              <a:t>6/3/2014</a:t>
             </a:fld>
             <a:endParaRPr lang="en-US"/>
           </a:p>
@@ -2386,7 +2386,7 @@
           <a:p>
             <a:fld id="{856365B8-A905-4126-A305-28D558C34FD5}" type="datetimeFigureOut">
               <a:rPr lang="en-US" smtClean="0"/>
-              <a:t>6/2/2014</a:t>
+              <a:t>6/3/2014</a:t>
             </a:fld>
             <a:endParaRPr lang="en-US"/>
           </a:p>
@@ -2599,7 +2599,7 @@
           <a:p>
             <a:fld id="{856365B8-A905-4126-A305-28D558C34FD5}" type="datetimeFigureOut">
               <a:rPr lang="en-US" smtClean="0"/>
-              <a:t>6/2/2014</a:t>
+              <a:t>6/3/2014</a:t>
             </a:fld>
             <a:endParaRPr lang="en-US"/>
           </a:p>
@@ -3363,14 +3363,38 @@
           <a:p>
             <a:r>
               <a:rPr lang="en-US" dirty="0" smtClean="0"/>
-              <a:t>Batch Delete and Updates</a:t>
-            </a:r>
-          </a:p>
-          <a:p>
-            <a:r>
-              <a:rPr lang="en-US" dirty="0" smtClean="0"/>
-              <a:t>Future Queries</a:t>
-            </a:r>
+              <a:t>Batch Delete and </a:t>
+            </a:r>
+            <a:r>
+              <a:rPr lang="en-US" dirty="0" smtClean="0"/>
+              <a:t>Updates</a:t>
+            </a:r>
+          </a:p>
+          <a:p>
+            <a:pPr lvl="1"/>
+            <a:r>
+              <a:rPr lang="en-US" dirty="0" smtClean="0"/>
+              <a:t>Bypasses Interceptors, so beware if using Soft Deletes</a:t>
+            </a:r>
+            <a:endParaRPr lang="en-US" dirty="0" smtClean="0"/>
+          </a:p>
+          <a:p>
+            <a:r>
+              <a:rPr lang="en-US" dirty="0" smtClean="0"/>
+              <a:t>Future </a:t>
+            </a:r>
+            <a:r>
+              <a:rPr lang="en-US" dirty="0" smtClean="0"/>
+              <a:t>Queries</a:t>
+            </a:r>
+          </a:p>
+          <a:p>
+            <a:pPr lvl="1"/>
+            <a:r>
+              <a:rPr lang="en-US" dirty="0" smtClean="0"/>
+              <a:t>Batches multiple statements into one round trip</a:t>
+            </a:r>
+            <a:endParaRPr lang="en-US" dirty="0" smtClean="0"/>
           </a:p>
           <a:p>
             <a:r>
@@ -3561,11 +3585,7 @@
           <a:p>
             <a:r>
               <a:rPr lang="en-US" dirty="0" smtClean="0"/>
-              <a:t>Tips/Best </a:t>
-            </a:r>
-            <a:r>
-              <a:rPr lang="en-US" dirty="0" smtClean="0"/>
-              <a:t>Practices/Advice</a:t>
+              <a:t>Tips/Best Practices/Advice</a:t>
             </a:r>
           </a:p>
           <a:p>
@@ -3587,11 +3607,11 @@
   <p:clrMapOvr>
     <a:masterClrMapping/>
   </p:clrMapOvr>
-  <mc:AlternateContent xmlns:mc="http://schemas.openxmlformats.org/markup-compatibility/2006">
-    <mc:Choice xmlns:p14="http://schemas.microsoft.com/office/powerpoint/2010/main" Requires="p14">
+  <mc:AlternateContent xmlns:mc="http://schemas.openxmlformats.org/markup-compatibility/2006" xmlns:p14="http://schemas.microsoft.com/office/powerpoint/2010/main">
+    <mc:Choice Requires="p14">
       <p:transition p14:dur="10"/>
     </mc:Choice>
-    <mc:Fallback>
+    <mc:Fallback xmlns="">
       <p:transition/>
     </mc:Fallback>
   </mc:AlternateContent>
@@ -4702,6 +4722,18 @@
             <a:pPr lvl="1"/>
             <a:r>
               <a:rPr lang="en-US" dirty="0" smtClean="0"/>
+              <a:t>Added </a:t>
+            </a:r>
+            <a:r>
+              <a:rPr lang="en-US" smtClean="0"/>
+              <a:t>interceptors in 6.0</a:t>
+            </a:r>
+            <a:endParaRPr lang="en-US" dirty="0" smtClean="0"/>
+          </a:p>
+          <a:p>
+            <a:pPr lvl="1"/>
+            <a:r>
+              <a:rPr lang="en-US" dirty="0" smtClean="0"/>
               <a:t>Focused on Code-First</a:t>
             </a:r>
           </a:p>
@@ -5097,6 +5129,55 @@
                       </p:childTnLst>
                     </p:cTn>
                   </p:par>
+                  <p:par>
+                    <p:cTn id="31" fill="hold">
+                      <p:stCondLst>
+                        <p:cond delay="indefinite"/>
+                      </p:stCondLst>
+                      <p:childTnLst>
+                        <p:par>
+                          <p:cTn id="32" fill="hold">
+                            <p:stCondLst>
+                              <p:cond delay="0"/>
+                            </p:stCondLst>
+                            <p:childTnLst>
+                              <p:par>
+                                <p:cTn id="33" presetID="1" presetClass="entr" presetSubtype="0" fill="hold" nodeType="clickEffect">
+                                  <p:stCondLst>
+                                    <p:cond delay="0"/>
+                                  </p:stCondLst>
+                                  <p:childTnLst>
+                                    <p:set>
+                                      <p:cBhvr>
+                                        <p:cTn id="34" dur="1" fill="hold">
+                                          <p:stCondLst>
+                                            <p:cond delay="0"/>
+                                          </p:stCondLst>
+                                        </p:cTn>
+                                        <p:tgtEl>
+                                          <p:spTgt spid="3">
+                                            <p:txEl>
+                                              <p:pRg st="7" end="7"/>
+                                            </p:txEl>
+                                          </p:spTgt>
+                                        </p:tgtEl>
+                                        <p:attrNameLst>
+                                          <p:attrName>style.visibility</p:attrName>
+                                        </p:attrNameLst>
+                                      </p:cBhvr>
+                                      <p:to>
+                                        <p:strVal val="visible"/>
+                                      </p:to>
+                                    </p:set>
+                                  </p:childTnLst>
+                                </p:cTn>
+                              </p:par>
+                            </p:childTnLst>
+                          </p:cTn>
+                        </p:par>
+                      </p:childTnLst>
+                    </p:cTn>
+                  </p:par>
                 </p:childTnLst>
               </p:cTn>
               <p:prevCondLst>
@@ -5221,7 +5302,6 @@
               <a:rPr lang="en-US" dirty="0" smtClean="0"/>
               <a:t>Not “one size fits all”</a:t>
             </a:r>
-            <a:endParaRPr lang="en-US" dirty="0" smtClean="0"/>
           </a:p>
           <a:p>
             <a:pPr lvl="1"/>

--- a/EF Extra Mile.pptx
+++ b/EF Extra Mile.pptx
@@ -17,6 +17,8 @@
     <p:sldId id="265" r:id="rId11"/>
     <p:sldId id="267" r:id="rId12"/>
     <p:sldId id="266" r:id="rId13"/>
+    <p:sldId id="268" r:id="rId14"/>
+    <p:sldId id="269" r:id="rId15"/>
   </p:sldIdLst>
   <p:sldSz cx="12192000" cy="6858000"/>
   <p:notesSz cx="6858000" cy="9144000"/>
@@ -132,6 +134,8 @@
             <p14:sldId id="265"/>
             <p14:sldId id="267"/>
             <p14:sldId id="266"/>
+            <p14:sldId id="268"/>
+            <p14:sldId id="269"/>
           </p14:sldIdLst>
         </p14:section>
       </p14:sectionLst>
@@ -3363,11 +3367,7 @@
           <a:p>
             <a:r>
               <a:rPr lang="en-US" dirty="0" smtClean="0"/>
-              <a:t>Batch Delete and </a:t>
-            </a:r>
-            <a:r>
-              <a:rPr lang="en-US" dirty="0" smtClean="0"/>
-              <a:t>Updates</a:t>
+              <a:t>Batch Delete and Updates</a:t>
             </a:r>
           </a:p>
           <a:p>
@@ -3376,16 +3376,11 @@
               <a:rPr lang="en-US" dirty="0" smtClean="0"/>
               <a:t>Bypasses Interceptors, so beware if using Soft Deletes</a:t>
             </a:r>
-            <a:endParaRPr lang="en-US" dirty="0" smtClean="0"/>
-          </a:p>
-          <a:p>
-            <a:r>
-              <a:rPr lang="en-US" dirty="0" smtClean="0"/>
-              <a:t>Future </a:t>
-            </a:r>
-            <a:r>
-              <a:rPr lang="en-US" dirty="0" smtClean="0"/>
-              <a:t>Queries</a:t>
+          </a:p>
+          <a:p>
+            <a:r>
+              <a:rPr lang="en-US" dirty="0" smtClean="0"/>
+              <a:t>Future Queries</a:t>
             </a:r>
           </a:p>
           <a:p>
@@ -3394,7 +3389,6 @@
               <a:rPr lang="en-US" dirty="0" smtClean="0"/>
               <a:t>Batches multiple statements into one round trip</a:t>
             </a:r>
-            <a:endParaRPr lang="en-US" dirty="0" smtClean="0"/>
           </a:p>
           <a:p>
             <a:r>
@@ -3499,6 +3493,324 @@
     <p:extLst>
       <p:ext uri="{BB962C8B-B14F-4D97-AF65-F5344CB8AC3E}">
         <p14:creationId xmlns:p14="http://schemas.microsoft.com/office/powerpoint/2010/main" val="3211047059"/>
+      </p:ext>
+    </p:extLst>
+  </p:cSld>
+  <p:clrMapOvr>
+    <a:masterClrMapping/>
+  </p:clrMapOvr>
+</p:sld>
+</file>
+
+<file path=ppt/slides/slide13.xml><?xml version="1.0" encoding="utf-8"?>
+<p:sld xmlns:a="http://schemas.openxmlformats.org/drawingml/2006/main" xmlns:r="http://schemas.openxmlformats.org/officeDocument/2006/relationships" xmlns:p="http://schemas.openxmlformats.org/presentationml/2006/main">
+  <p:cSld>
+    <p:spTree>
+      <p:nvGrpSpPr>
+        <p:cNvPr id="1" name=""/>
+        <p:cNvGrpSpPr/>
+        <p:nvPr/>
+      </p:nvGrpSpPr>
+      <p:grpSpPr>
+        <a:xfrm>
+          <a:off x="0" y="0"/>
+          <a:ext cx="0" cy="0"/>
+          <a:chOff x="0" y="0"/>
+          <a:chExt cx="0" cy="0"/>
+        </a:xfrm>
+      </p:grpSpPr>
+      <p:sp>
+        <p:nvSpPr>
+          <p:cNvPr id="2" name="Title 1"/>
+          <p:cNvSpPr>
+            <a:spLocks noGrp="1"/>
+          </p:cNvSpPr>
+          <p:nvPr>
+            <p:ph type="title"/>
+          </p:nvPr>
+        </p:nvSpPr>
+        <p:spPr/>
+        <p:txBody>
+          <a:bodyPr/>
+          <a:lstStyle/>
+          <a:p>
+            <a:r>
+              <a:rPr lang="en-US" dirty="0" smtClean="0"/>
+              <a:t>Entity Framework Migrations</a:t>
+            </a:r>
+            <a:endParaRPr lang="en-US" dirty="0"/>
+          </a:p>
+        </p:txBody>
+      </p:sp>
+      <p:sp>
+        <p:nvSpPr>
+          <p:cNvPr id="3" name="Content Placeholder 2"/>
+          <p:cNvSpPr>
+            <a:spLocks noGrp="1"/>
+          </p:cNvSpPr>
+          <p:nvPr>
+            <p:ph idx="1"/>
+          </p:nvPr>
+        </p:nvSpPr>
+        <p:spPr/>
+        <p:txBody>
+          <a:bodyPr>
+            <a:normAutofit fontScale="92500" lnSpcReduction="10000"/>
+          </a:bodyPr>
+          <a:lstStyle/>
+          <a:p>
+            <a:r>
+              <a:rPr lang="en-US" dirty="0" smtClean="0"/>
+              <a:t>Automatic Migrations are good for demos and prototypes, but generally not suitable for medium-large projects</a:t>
+            </a:r>
+          </a:p>
+          <a:p>
+            <a:r>
+              <a:rPr lang="en-US" dirty="0" smtClean="0"/>
+              <a:t>Custom Migrations</a:t>
+            </a:r>
+          </a:p>
+          <a:p>
+            <a:pPr lvl="1"/>
+            <a:r>
+              <a:rPr lang="en-US" dirty="0" smtClean="0"/>
+              <a:t>Add </a:t>
+            </a:r>
+            <a:r>
+              <a:rPr lang="en-US" dirty="0" err="1" smtClean="0"/>
+              <a:t>Movie.IsRecommended</a:t>
+            </a:r>
+            <a:r>
+              <a:rPr lang="en-US" dirty="0" smtClean="0"/>
+              <a:t> property</a:t>
+            </a:r>
+          </a:p>
+          <a:p>
+            <a:pPr lvl="1"/>
+            <a:r>
+              <a:rPr lang="en-US" dirty="0" smtClean="0"/>
+              <a:t>Add Migration: add-migration </a:t>
+            </a:r>
+            <a:r>
+              <a:rPr lang="en-US" dirty="0" err="1" smtClean="0"/>
+              <a:t>AddedMovieIsRecommended</a:t>
+            </a:r>
+            <a:endParaRPr lang="en-US" dirty="0" smtClean="0"/>
+          </a:p>
+          <a:p>
+            <a:pPr lvl="1"/>
+            <a:r>
+              <a:rPr lang="en-US" dirty="0" smtClean="0"/>
+              <a:t>Update Database: update-database</a:t>
+            </a:r>
+          </a:p>
+          <a:p>
+            <a:pPr lvl="1"/>
+            <a:r>
+              <a:rPr lang="en-US" dirty="0" smtClean="0"/>
+              <a:t>Add </a:t>
+            </a:r>
+            <a:r>
+              <a:rPr lang="en-US" dirty="0" err="1" smtClean="0"/>
+              <a:t>Actor.IsFavorite</a:t>
+            </a:r>
+            <a:r>
+              <a:rPr lang="en-US" dirty="0" smtClean="0"/>
+              <a:t> property</a:t>
+            </a:r>
+          </a:p>
+          <a:p>
+            <a:r>
+              <a:rPr lang="en-US" dirty="0" smtClean="0"/>
+              <a:t>Migrate.exe</a:t>
+            </a:r>
+          </a:p>
+          <a:p>
+            <a:r>
+              <a:rPr lang="en-US" dirty="0" smtClean="0"/>
+              <a:t>Migrations can have issues in a team environment. Better functionality was promised.</a:t>
+            </a:r>
+          </a:p>
+          <a:p>
+            <a:pPr lvl="1"/>
+            <a:r>
+              <a:rPr lang="en-US" dirty="0"/>
+              <a:t>More info: http://blogs.msdn.com/b/adonet/archive/2014/03/12/migrations-screencast-series.aspx</a:t>
+            </a:r>
+          </a:p>
+        </p:txBody>
+      </p:sp>
+    </p:spTree>
+    <p:extLst>
+      <p:ext uri="{BB962C8B-B14F-4D97-AF65-F5344CB8AC3E}">
+        <p14:creationId xmlns:p14="http://schemas.microsoft.com/office/powerpoint/2010/main" val="932826416"/>
+      </p:ext>
+    </p:extLst>
+  </p:cSld>
+  <p:clrMapOvr>
+    <a:masterClrMapping/>
+  </p:clrMapOvr>
+</p:sld>
+</file>
+
+<file path=ppt/slides/slide14.xml><?xml version="1.0" encoding="utf-8"?>
+<p:sld xmlns:a="http://schemas.openxmlformats.org/drawingml/2006/main" xmlns:r="http://schemas.openxmlformats.org/officeDocument/2006/relationships" xmlns:p="http://schemas.openxmlformats.org/presentationml/2006/main">
+  <p:cSld>
+    <p:spTree>
+      <p:nvGrpSpPr>
+        <p:cNvPr id="1" name=""/>
+        <p:cNvGrpSpPr/>
+        <p:nvPr/>
+      </p:nvGrpSpPr>
+      <p:grpSpPr>
+        <a:xfrm>
+          <a:off x="0" y="0"/>
+          <a:ext cx="0" cy="0"/>
+          <a:chOff x="0" y="0"/>
+          <a:chExt cx="0" cy="0"/>
+        </a:xfrm>
+      </p:grpSpPr>
+      <p:sp>
+        <p:nvSpPr>
+          <p:cNvPr id="2" name="Title 1"/>
+          <p:cNvSpPr>
+            <a:spLocks noGrp="1"/>
+          </p:cNvSpPr>
+          <p:nvPr>
+            <p:ph type="title"/>
+          </p:nvPr>
+        </p:nvSpPr>
+        <p:spPr/>
+        <p:txBody>
+          <a:bodyPr/>
+          <a:lstStyle/>
+          <a:p>
+            <a:r>
+              <a:rPr lang="en-US" dirty="0" smtClean="0"/>
+              <a:t>Where Can I Learn More?</a:t>
+            </a:r>
+            <a:endParaRPr lang="en-US" dirty="0"/>
+          </a:p>
+        </p:txBody>
+      </p:sp>
+      <p:sp>
+        <p:nvSpPr>
+          <p:cNvPr id="3" name="Content Placeholder 2"/>
+          <p:cNvSpPr>
+            <a:spLocks noGrp="1"/>
+          </p:cNvSpPr>
+          <p:nvPr>
+            <p:ph idx="1"/>
+          </p:nvPr>
+        </p:nvSpPr>
+        <p:spPr/>
+        <p:txBody>
+          <a:bodyPr/>
+          <a:lstStyle/>
+          <a:p>
+            <a:r>
+              <a:rPr lang="en-US" dirty="0" err="1" smtClean="0"/>
+              <a:t>Pluralsight</a:t>
+            </a:r>
+            <a:r>
+              <a:rPr lang="en-US" dirty="0" smtClean="0"/>
+              <a:t> has good, although maybe dated, material</a:t>
+            </a:r>
+          </a:p>
+          <a:p>
+            <a:r>
+              <a:rPr lang="en-US" dirty="0" smtClean="0"/>
+              <a:t>Jimmy </a:t>
+            </a:r>
+            <a:r>
+              <a:rPr lang="en-US" dirty="0" err="1" smtClean="0"/>
+              <a:t>Bogard’s</a:t>
+            </a:r>
+            <a:r>
+              <a:rPr lang="en-US" dirty="0" smtClean="0"/>
+              <a:t> blog on </a:t>
+            </a:r>
+            <a:r>
+              <a:rPr lang="en-US" dirty="0" err="1" smtClean="0"/>
+              <a:t>LosTechies</a:t>
+            </a:r>
+            <a:r>
+              <a:rPr lang="en-US" dirty="0"/>
+              <a:t>: </a:t>
+            </a:r>
+            <a:r>
+              <a:rPr lang="en-US" dirty="0">
+                <a:hlinkClick r:id="rId2"/>
+              </a:rPr>
+              <a:t>http://lostechies.com/jimmybogard</a:t>
+            </a:r>
+            <a:r>
+              <a:rPr lang="en-US" dirty="0" smtClean="0">
+                <a:hlinkClick r:id="rId2"/>
+              </a:rPr>
+              <a:t>/</a:t>
+            </a:r>
+            <a:endParaRPr lang="en-US" dirty="0" smtClean="0"/>
+          </a:p>
+          <a:p>
+            <a:r>
+              <a:rPr lang="en-US" dirty="0" smtClean="0"/>
+              <a:t>Julie </a:t>
+            </a:r>
+            <a:r>
+              <a:rPr lang="en-US" dirty="0" err="1" smtClean="0"/>
+              <a:t>Lerman’s</a:t>
+            </a:r>
+            <a:r>
+              <a:rPr lang="en-US" dirty="0"/>
+              <a:t> blog: </a:t>
+            </a:r>
+            <a:r>
+              <a:rPr lang="en-US" dirty="0">
+                <a:hlinkClick r:id="rId3"/>
+              </a:rPr>
+              <a:t>http://thedatafarm.com/blog</a:t>
+            </a:r>
+            <a:r>
+              <a:rPr lang="en-US" dirty="0" smtClean="0">
+                <a:hlinkClick r:id="rId3"/>
+              </a:rPr>
+              <a:t>/</a:t>
+            </a:r>
+            <a:endParaRPr lang="en-US" dirty="0" smtClean="0"/>
+          </a:p>
+          <a:p>
+            <a:r>
+              <a:rPr lang="en-US" dirty="0" smtClean="0"/>
+              <a:t>TechEd </a:t>
+            </a:r>
+            <a:r>
+              <a:rPr lang="en-US" dirty="0"/>
+              <a:t>2014 presentation: </a:t>
+            </a:r>
+            <a:r>
+              <a:rPr lang="en-US" dirty="0">
+                <a:hlinkClick r:id="rId4"/>
+              </a:rPr>
+              <a:t>https://</a:t>
+            </a:r>
+            <a:r>
+              <a:rPr lang="en-US" dirty="0" smtClean="0">
+                <a:hlinkClick r:id="rId4"/>
+              </a:rPr>
+              <a:t>github.com/rowanmiller/Demo-TechEd2014</a:t>
+            </a:r>
+            <a:endParaRPr lang="en-US" dirty="0" smtClean="0"/>
+          </a:p>
+          <a:p>
+            <a:endParaRPr lang="en-US" dirty="0"/>
+          </a:p>
+        </p:txBody>
+      </p:sp>
+    </p:spTree>
+    <p:extLst>
+      <p:ext uri="{BB962C8B-B14F-4D97-AF65-F5344CB8AC3E}">
+        <p14:creationId xmlns:p14="http://schemas.microsoft.com/office/powerpoint/2010/main" val="3896616445"/>
       </p:ext>
     </p:extLst>
   </p:cSld>
